--- a/emotional erwachsen/Perception (PER)/ger/apprentice/ger_PER_03_Gefuehlstango_EE_A.pptx
+++ b/emotional erwachsen/Perception (PER)/ger/apprentice/ger_PER_03_Gefuehlstango_EE_A.pptx
@@ -193,7 +193,7 @@
           <a:p>
             <a:fld id="{6E077CBB-2DF5-4D45-BDDD-22DB2684D07E}" type="datetimeFigureOut">
               <a:rPr lang="de-DE" smtClean="0"/>
-              <a:t>28.05.15</a:t>
+              <a:t>15.07.15</a:t>
             </a:fld>
             <a:endParaRPr lang="de-DE"/>
           </a:p>
@@ -814,7 +814,7 @@
           <a:p>
             <a:fld id="{FF5B2BAF-DF38-0A48-A798-0C06E514FD52}" type="datetimeFigureOut">
               <a:rPr lang="de-DE" smtClean="0"/>
-              <a:t>28.05.15</a:t>
+              <a:t>15.07.15</a:t>
             </a:fld>
             <a:endParaRPr lang="de-DE" dirty="0"/>
           </a:p>
@@ -1057,7 +1057,7 @@
           <a:p>
             <a:fld id="{FF5B2BAF-DF38-0A48-A798-0C06E514FD52}" type="datetimeFigureOut">
               <a:rPr lang="de-DE" smtClean="0"/>
-              <a:t>28.05.15</a:t>
+              <a:t>15.07.15</a:t>
             </a:fld>
             <a:endParaRPr lang="de-DE" dirty="0"/>
           </a:p>
@@ -1291,7 +1291,17 @@
                 <a:latin typeface="Avenir Heavy"/>
                 <a:cs typeface="Avenir Heavy"/>
               </a:rPr>
-              <a:t>PER-</a:t>
+              <a:t>PER</a:t>
+            </a:r>
+            <a:r>
+              <a:rPr lang="de-DE" sz="1050" b="1" baseline="0" dirty="0" smtClean="0">
+                <a:solidFill>
+                  <a:schemeClr val="bg1"/>
+                </a:solidFill>
+                <a:latin typeface="Avenir Heavy"/>
+                <a:cs typeface="Avenir Heavy"/>
+              </a:rPr>
+              <a:t> </a:t>
             </a:r>
             <a:r>
               <a:rPr lang="de-DE" sz="1050" b="1" dirty="0" smtClean="0">
@@ -1924,6 +1934,36 @@
           </a:p>
         </p:txBody>
       </p:sp>
+      <p:pic>
+        <p:nvPicPr>
+          <p:cNvPr id="3" name="Bild 2" descr="ee_apprentice_icon.pdf"/>
+          <p:cNvPicPr>
+            <a:picLocks noChangeAspect="1"/>
+          </p:cNvPicPr>
+          <p:nvPr/>
+        </p:nvPicPr>
+        <p:blipFill>
+          <a:blip r:embed="rId2">
+            <a:extLst>
+              <a:ext uri="{28A0092B-C50C-407E-A947-70E740481C1C}">
+                <a14:useLocalDpi xmlns:a14="http://schemas.microsoft.com/office/drawing/2010/main" val="0"/>
+              </a:ext>
+            </a:extLst>
+          </a:blip>
+          <a:stretch>
+            <a:fillRect/>
+          </a:stretch>
+        </p:blipFill>
+        <p:spPr>
+          <a:xfrm>
+            <a:off x="6094866" y="3928651"/>
+            <a:ext cx="901700" cy="901700"/>
+          </a:xfrm>
+          <a:prstGeom prst="rect">
+            <a:avLst/>
+          </a:prstGeom>
+        </p:spPr>
+      </p:pic>
     </p:spTree>
     <p:extLst>
       <p:ext uri="{BB962C8B-B14F-4D97-AF65-F5344CB8AC3E}">
